--- a/coffee/2차_Project_ppt.pptx
+++ b/coffee/2차_Project_ppt.pptx
@@ -278,7 +278,7 @@
           <a:p>
             <a:fld id="{1284548A-EF1D-4175-9789-7924F50A8BD9}" type="datetimeFigureOut">
               <a:rPr lang="ko-KR" altLang="en-US" smtClean="0"/>
-              <a:t>2023-05-10</a:t>
+              <a:t>2023-05-11</a:t>
             </a:fld>
             <a:endParaRPr lang="ko-KR" altLang="en-US"/>
           </a:p>
@@ -476,7 +476,7 @@
           <a:p>
             <a:fld id="{1284548A-EF1D-4175-9789-7924F50A8BD9}" type="datetimeFigureOut">
               <a:rPr lang="ko-KR" altLang="en-US" smtClean="0"/>
-              <a:t>2023-05-10</a:t>
+              <a:t>2023-05-11</a:t>
             </a:fld>
             <a:endParaRPr lang="ko-KR" altLang="en-US"/>
           </a:p>
@@ -684,7 +684,7 @@
           <a:p>
             <a:fld id="{1284548A-EF1D-4175-9789-7924F50A8BD9}" type="datetimeFigureOut">
               <a:rPr lang="ko-KR" altLang="en-US" smtClean="0"/>
-              <a:t>2023-05-10</a:t>
+              <a:t>2023-05-11</a:t>
             </a:fld>
             <a:endParaRPr lang="ko-KR" altLang="en-US"/>
           </a:p>
@@ -882,7 +882,7 @@
           <a:p>
             <a:fld id="{1284548A-EF1D-4175-9789-7924F50A8BD9}" type="datetimeFigureOut">
               <a:rPr lang="ko-KR" altLang="en-US" smtClean="0"/>
-              <a:t>2023-05-10</a:t>
+              <a:t>2023-05-11</a:t>
             </a:fld>
             <a:endParaRPr lang="ko-KR" altLang="en-US"/>
           </a:p>
@@ -1157,7 +1157,7 @@
           <a:p>
             <a:fld id="{1284548A-EF1D-4175-9789-7924F50A8BD9}" type="datetimeFigureOut">
               <a:rPr lang="ko-KR" altLang="en-US" smtClean="0"/>
-              <a:t>2023-05-10</a:t>
+              <a:t>2023-05-11</a:t>
             </a:fld>
             <a:endParaRPr lang="ko-KR" altLang="en-US"/>
           </a:p>
@@ -1422,7 +1422,7 @@
           <a:p>
             <a:fld id="{1284548A-EF1D-4175-9789-7924F50A8BD9}" type="datetimeFigureOut">
               <a:rPr lang="ko-KR" altLang="en-US" smtClean="0"/>
-              <a:t>2023-05-10</a:t>
+              <a:t>2023-05-11</a:t>
             </a:fld>
             <a:endParaRPr lang="ko-KR" altLang="en-US"/>
           </a:p>
@@ -1834,7 +1834,7 @@
           <a:p>
             <a:fld id="{1284548A-EF1D-4175-9789-7924F50A8BD9}" type="datetimeFigureOut">
               <a:rPr lang="ko-KR" altLang="en-US" smtClean="0"/>
-              <a:t>2023-05-10</a:t>
+              <a:t>2023-05-11</a:t>
             </a:fld>
             <a:endParaRPr lang="ko-KR" altLang="en-US"/>
           </a:p>
@@ -1975,7 +1975,7 @@
           <a:p>
             <a:fld id="{1284548A-EF1D-4175-9789-7924F50A8BD9}" type="datetimeFigureOut">
               <a:rPr lang="ko-KR" altLang="en-US" smtClean="0"/>
-              <a:t>2023-05-10</a:t>
+              <a:t>2023-05-11</a:t>
             </a:fld>
             <a:endParaRPr lang="ko-KR" altLang="en-US"/>
           </a:p>
@@ -2088,7 +2088,7 @@
           <a:p>
             <a:fld id="{1284548A-EF1D-4175-9789-7924F50A8BD9}" type="datetimeFigureOut">
               <a:rPr lang="ko-KR" altLang="en-US" smtClean="0"/>
-              <a:t>2023-05-10</a:t>
+              <a:t>2023-05-11</a:t>
             </a:fld>
             <a:endParaRPr lang="ko-KR" altLang="en-US"/>
           </a:p>
@@ -2399,7 +2399,7 @@
           <a:p>
             <a:fld id="{1284548A-EF1D-4175-9789-7924F50A8BD9}" type="datetimeFigureOut">
               <a:rPr lang="ko-KR" altLang="en-US" smtClean="0"/>
-              <a:t>2023-05-10</a:t>
+              <a:t>2023-05-11</a:t>
             </a:fld>
             <a:endParaRPr lang="ko-KR" altLang="en-US"/>
           </a:p>
@@ -2687,7 +2687,7 @@
           <a:p>
             <a:fld id="{1284548A-EF1D-4175-9789-7924F50A8BD9}" type="datetimeFigureOut">
               <a:rPr lang="ko-KR" altLang="en-US" smtClean="0"/>
-              <a:t>2023-05-10</a:t>
+              <a:t>2023-05-11</a:t>
             </a:fld>
             <a:endParaRPr lang="ko-KR" altLang="en-US"/>
           </a:p>
@@ -2936,7 +2936,7 @@
           <a:p>
             <a:fld id="{1284548A-EF1D-4175-9789-7924F50A8BD9}" type="datetimeFigureOut">
               <a:rPr lang="ko-KR" altLang="en-US" smtClean="0"/>
-              <a:t>2023-05-10</a:t>
+              <a:t>2023-05-11</a:t>
             </a:fld>
             <a:endParaRPr lang="ko-KR" altLang="en-US"/>
           </a:p>
@@ -6834,24 +6834,7 @@
                 <a:latin typeface="여기어때 잘난체" panose="020B0600000101010101" pitchFamily="50" charset="-127"/>
                 <a:ea typeface="여기어때 잘난체" panose="020B0600000101010101" pitchFamily="50" charset="-127"/>
               </a:rPr>
-              <a:t>API – </a:t>
-            </a:r>
-            <a:r>
-              <a:rPr lang="en-US" altLang="ko-KR" b="1" dirty="0" smtClean="0">
-                <a:ln>
-                  <a:solidFill>
-                    <a:schemeClr val="accent1">
-                      <a:alpha val="0"/>
-                    </a:schemeClr>
-                  </a:solidFill>
-                </a:ln>
-                <a:solidFill>
-                  <a:srgbClr val="613F59"/>
-                </a:solidFill>
-                <a:latin typeface="여기어때 잘난체" panose="020B0600000101010101" pitchFamily="50" charset="-127"/>
-                <a:ea typeface="여기어때 잘난체" panose="020B0600000101010101" pitchFamily="50" charset="-127"/>
-              </a:rPr>
-              <a:t>console, alert </a:t>
+              <a:t>API – console, alert </a:t>
             </a:r>
             <a:r>
               <a:rPr lang="ko-KR" altLang="en-US" b="1" dirty="0" smtClean="0">
@@ -8538,20 +8521,6 @@
               </a:rPr>
               <a:t>에러</a:t>
             </a:r>
-            <a:endParaRPr lang="ko-KR" altLang="en-US" b="1" dirty="0">
-              <a:ln>
-                <a:solidFill>
-                  <a:schemeClr val="accent1">
-                    <a:alpha val="0"/>
-                  </a:schemeClr>
-                </a:solidFill>
-              </a:ln>
-              <a:solidFill>
-                <a:srgbClr val="613F59"/>
-              </a:solidFill>
-              <a:latin typeface="여기어때 잘난체" panose="020B0600000101010101" pitchFamily="50" charset="-127"/>
-              <a:ea typeface="여기어때 잘난체" panose="020B0600000101010101" pitchFamily="50" charset="-127"/>
-            </a:endParaRPr>
           </a:p>
         </p:txBody>
       </p:sp>
@@ -9630,20 +9599,6 @@
               </a:rPr>
               <a:t>.</a:t>
             </a:r>
-            <a:endParaRPr lang="en-US" altLang="ko-KR" sz="2400" dirty="0" smtClean="0">
-              <a:ln>
-                <a:solidFill>
-                  <a:schemeClr val="accent1">
-                    <a:alpha val="0"/>
-                  </a:schemeClr>
-                </a:solidFill>
-              </a:ln>
-              <a:solidFill>
-                <a:srgbClr val="613F59"/>
-              </a:solidFill>
-              <a:latin typeface="여기어때 잘난체" panose="020B0600000101010101" pitchFamily="50" charset="-127"/>
-              <a:ea typeface="여기어때 잘난체" panose="020B0600000101010101" pitchFamily="50" charset="-127"/>
-            </a:endParaRPr>
           </a:p>
           <a:p>
             <a:pPr>
@@ -10601,6 +10556,262 @@
           </a:prstGeom>
         </p:spPr>
       </p:pic>
+      <p:sp>
+        <p:nvSpPr>
+          <p:cNvPr id="9" name="모서리가 둥근 직사각형 8"/>
+          <p:cNvSpPr/>
+          <p:nvPr/>
+        </p:nvSpPr>
+        <p:spPr>
+          <a:xfrm>
+            <a:off x="1168140" y="1620279"/>
+            <a:ext cx="3076056" cy="217148"/>
+          </a:xfrm>
+          <a:prstGeom prst="roundRect">
+            <a:avLst/>
+          </a:prstGeom>
+          <a:noFill/>
+          <a:ln w="41275">
+            <a:solidFill>
+              <a:srgbClr val="FF0000"/>
+            </a:solidFill>
+          </a:ln>
+        </p:spPr>
+        <p:style>
+          <a:lnRef idx="2">
+            <a:schemeClr val="accent1">
+              <a:shade val="50000"/>
+            </a:schemeClr>
+          </a:lnRef>
+          <a:fillRef idx="1">
+            <a:schemeClr val="accent1"/>
+          </a:fillRef>
+          <a:effectRef idx="0">
+            <a:schemeClr val="accent1"/>
+          </a:effectRef>
+          <a:fontRef idx="minor">
+            <a:schemeClr val="lt1"/>
+          </a:fontRef>
+        </p:style>
+        <p:txBody>
+          <a:bodyPr rtlCol="0" anchor="ctr"/>
+          <a:lstStyle/>
+          <a:p>
+            <a:pPr algn="ctr"/>
+            <a:endParaRPr lang="ko-KR" altLang="en-US"/>
+          </a:p>
+        </p:txBody>
+      </p:sp>
+      <p:sp>
+        <p:nvSpPr>
+          <p:cNvPr id="10" name="TextBox 9">
+            <a:extLst>
+              <a:ext uri="{FF2B5EF4-FFF2-40B4-BE49-F238E27FC236}">
+                <a16:creationId xmlns:a16="http://schemas.microsoft.com/office/drawing/2014/main" id="{0D0CA869-BE9E-9044-9C1B-ADAB78A91ADD}"/>
+              </a:ext>
+            </a:extLst>
+          </p:cNvPr>
+          <p:cNvSpPr txBox="1"/>
+          <p:nvPr/>
+        </p:nvSpPr>
+        <p:spPr>
+          <a:xfrm>
+            <a:off x="4244196" y="1489685"/>
+            <a:ext cx="6932415" cy="478336"/>
+          </a:xfrm>
+          <a:prstGeom prst="rect">
+            <a:avLst/>
+          </a:prstGeom>
+          <a:noFill/>
+        </p:spPr>
+        <p:txBody>
+          <a:bodyPr wrap="square" rtlCol="0">
+            <a:spAutoFit/>
+          </a:bodyPr>
+          <a:lstStyle/>
+          <a:p>
+            <a:pPr>
+              <a:lnSpc>
+                <a:spcPct val="114000"/>
+              </a:lnSpc>
+            </a:pPr>
+            <a:r>
+              <a:rPr lang="ko-KR" altLang="en-US" sz="1100" smtClean="0">
+                <a:ln>
+                  <a:solidFill>
+                    <a:schemeClr val="accent1">
+                      <a:alpha val="0"/>
+                    </a:schemeClr>
+                  </a:solidFill>
+                </a:ln>
+                <a:solidFill>
+                  <a:schemeClr val="bg1"/>
+                </a:solidFill>
+                <a:latin typeface="여기어때 잘난체" panose="020B0600000101010101" pitchFamily="50" charset="-127"/>
+                <a:ea typeface="여기어때 잘난체" panose="020B0600000101010101" pitchFamily="50" charset="-127"/>
+              </a:rPr>
+              <a:t>공공데이터에서 제공하는 예시 </a:t>
+            </a:r>
+            <a:r>
+              <a:rPr lang="ko-KR" altLang="en-US" sz="1100" smtClean="0">
+                <a:ln>
+                  <a:solidFill>
+                    <a:schemeClr val="accent1">
+                      <a:alpha val="0"/>
+                    </a:schemeClr>
+                  </a:solidFill>
+                </a:ln>
+                <a:solidFill>
+                  <a:schemeClr val="bg1"/>
+                </a:solidFill>
+                <a:latin typeface="여기어때 잘난체" panose="020B0600000101010101" pitchFamily="50" charset="-127"/>
+                <a:ea typeface="여기어때 잘난체" panose="020B0600000101010101" pitchFamily="50" charset="-127"/>
+              </a:rPr>
+              <a:t>코드에서는 </a:t>
+            </a:r>
+            <a:r>
+              <a:rPr lang="ko-KR" altLang="en-US" sz="1100" dirty="0" smtClean="0">
+                <a:ln>
+                  <a:solidFill>
+                    <a:schemeClr val="accent1">
+                      <a:alpha val="0"/>
+                    </a:schemeClr>
+                  </a:solidFill>
+                </a:ln>
+                <a:solidFill>
+                  <a:schemeClr val="bg1"/>
+                </a:solidFill>
+                <a:latin typeface="여기어때 잘난체" panose="020B0600000101010101" pitchFamily="50" charset="-127"/>
+                <a:ea typeface="여기어때 잘난체" panose="020B0600000101010101" pitchFamily="50" charset="-127"/>
+              </a:rPr>
+              <a:t>주소를 가져올 때 오류가 나서 </a:t>
+            </a:r>
+            <a:r>
+              <a:rPr lang="en-US" altLang="ko-KR" sz="1100" dirty="0" smtClean="0">
+                <a:ln>
+                  <a:solidFill>
+                    <a:schemeClr val="accent1">
+                      <a:alpha val="0"/>
+                    </a:schemeClr>
+                  </a:solidFill>
+                </a:ln>
+                <a:solidFill>
+                  <a:schemeClr val="bg1"/>
+                </a:solidFill>
+                <a:latin typeface="여기어때 잘난체" panose="020B0600000101010101" pitchFamily="50" charset="-127"/>
+                <a:ea typeface="여기어때 잘난체" panose="020B0600000101010101" pitchFamily="50" charset="-127"/>
+              </a:rPr>
+              <a:t>fetch </a:t>
+            </a:r>
+            <a:r>
+              <a:rPr lang="ko-KR" altLang="en-US" sz="1100" dirty="0" smtClean="0">
+                <a:ln>
+                  <a:solidFill>
+                    <a:schemeClr val="accent1">
+                      <a:alpha val="0"/>
+                    </a:schemeClr>
+                  </a:solidFill>
+                </a:ln>
+                <a:solidFill>
+                  <a:schemeClr val="bg1"/>
+                </a:solidFill>
+                <a:latin typeface="여기어때 잘난체" panose="020B0600000101010101" pitchFamily="50" charset="-127"/>
+                <a:ea typeface="여기어때 잘난체" panose="020B0600000101010101" pitchFamily="50" charset="-127"/>
+              </a:rPr>
+              <a:t>함수를 사용하여 </a:t>
+            </a:r>
+            <a:endParaRPr lang="en-US" altLang="ko-KR" sz="1100" dirty="0" smtClean="0">
+              <a:ln>
+                <a:solidFill>
+                  <a:schemeClr val="accent1">
+                    <a:alpha val="0"/>
+                  </a:schemeClr>
+                </a:solidFill>
+              </a:ln>
+              <a:solidFill>
+                <a:schemeClr val="bg1"/>
+              </a:solidFill>
+              <a:latin typeface="여기어때 잘난체" panose="020B0600000101010101" pitchFamily="50" charset="-127"/>
+              <a:ea typeface="여기어때 잘난체" panose="020B0600000101010101" pitchFamily="50" charset="-127"/>
+            </a:endParaRPr>
+          </a:p>
+          <a:p>
+            <a:pPr>
+              <a:lnSpc>
+                <a:spcPct val="114000"/>
+              </a:lnSpc>
+            </a:pPr>
+            <a:r>
+              <a:rPr lang="ko-KR" altLang="en-US" sz="1100" dirty="0" smtClean="0">
+                <a:ln>
+                  <a:solidFill>
+                    <a:schemeClr val="accent1">
+                      <a:alpha val="0"/>
+                    </a:schemeClr>
+                  </a:solidFill>
+                </a:ln>
+                <a:solidFill>
+                  <a:schemeClr val="bg1"/>
+                </a:solidFill>
+                <a:latin typeface="여기어때 잘난체" panose="020B0600000101010101" pitchFamily="50" charset="-127"/>
+                <a:ea typeface="여기어때 잘난체" panose="020B0600000101010101" pitchFamily="50" charset="-127"/>
+              </a:rPr>
+              <a:t>데이터를 가져오니</a:t>
+            </a:r>
+            <a:r>
+              <a:rPr lang="ko-KR" altLang="en-US" sz="1100" dirty="0">
+                <a:ln>
+                  <a:solidFill>
+                    <a:schemeClr val="accent1">
+                      <a:alpha val="0"/>
+                    </a:schemeClr>
+                  </a:solidFill>
+                </a:ln>
+                <a:solidFill>
+                  <a:schemeClr val="bg1"/>
+                </a:solidFill>
+                <a:latin typeface="여기어때 잘난체" panose="020B0600000101010101" pitchFamily="50" charset="-127"/>
+                <a:ea typeface="여기어때 잘난체" panose="020B0600000101010101" pitchFamily="50" charset="-127"/>
+              </a:rPr>
+              <a:t> </a:t>
+            </a:r>
+            <a:r>
+              <a:rPr lang="ko-KR" altLang="en-US" sz="1100" dirty="0" smtClean="0">
+                <a:ln>
+                  <a:solidFill>
+                    <a:schemeClr val="accent1">
+                      <a:alpha val="0"/>
+                    </a:schemeClr>
+                  </a:solidFill>
+                </a:ln>
+                <a:solidFill>
+                  <a:schemeClr val="bg1"/>
+                </a:solidFill>
+                <a:latin typeface="여기어때 잘난체" panose="020B0600000101010101" pitchFamily="50" charset="-127"/>
+                <a:ea typeface="여기어때 잘난체" panose="020B0600000101010101" pitchFamily="50" charset="-127"/>
+              </a:rPr>
+              <a:t>문제해결이 되었습니다</a:t>
+            </a:r>
+            <a:r>
+              <a:rPr lang="en-US" altLang="ko-KR" sz="1100" dirty="0" smtClean="0">
+                <a:ln>
+                  <a:solidFill>
+                    <a:schemeClr val="accent1">
+                      <a:alpha val="0"/>
+                    </a:schemeClr>
+                  </a:solidFill>
+                </a:ln>
+                <a:solidFill>
+                  <a:schemeClr val="bg1"/>
+                </a:solidFill>
+                <a:latin typeface="여기어때 잘난체" panose="020B0600000101010101" pitchFamily="50" charset="-127"/>
+                <a:ea typeface="여기어때 잘난체" panose="020B0600000101010101" pitchFamily="50" charset="-127"/>
+              </a:rPr>
+              <a:t>.</a:t>
+            </a:r>
+          </a:p>
+        </p:txBody>
+      </p:sp>
     </p:spTree>
     <p:extLst>
       <p:ext uri="{BB962C8B-B14F-4D97-AF65-F5344CB8AC3E}">
@@ -10614,9 +10825,171 @@
   <p:timing>
     <p:tnLst>
       <p:par>
-        <p:cTn id="1" dur="indefinite" restart="never" nodeType="tmRoot"/>
+        <p:cTn id="1" dur="indefinite" restart="never" nodeType="tmRoot">
+          <p:childTnLst>
+            <p:seq concurrent="1" nextAc="seek">
+              <p:cTn id="2" dur="indefinite" nodeType="mainSeq">
+                <p:childTnLst>
+                  <p:par>
+                    <p:cTn id="3" fill="hold">
+                      <p:stCondLst>
+                        <p:cond delay="indefinite"/>
+                      </p:stCondLst>
+                      <p:childTnLst>
+                        <p:par>
+                          <p:cTn id="4" fill="hold">
+                            <p:stCondLst>
+                              <p:cond delay="0"/>
+                            </p:stCondLst>
+                            <p:childTnLst>
+                              <p:par>
+                                <p:cTn id="5" presetID="1" presetClass="entr" presetSubtype="0" fill="hold" nodeType="clickEffect">
+                                  <p:stCondLst>
+                                    <p:cond delay="0"/>
+                                  </p:stCondLst>
+                                  <p:childTnLst>
+                                    <p:set>
+                                      <p:cBhvr>
+                                        <p:cTn id="6" dur="1" fill="hold">
+                                          <p:stCondLst>
+                                            <p:cond delay="0"/>
+                                          </p:stCondLst>
+                                        </p:cTn>
+                                        <p:tgtEl>
+                                          <p:spTgt spid="2"/>
+                                        </p:tgtEl>
+                                        <p:attrNameLst>
+                                          <p:attrName>style.visibility</p:attrName>
+                                        </p:attrNameLst>
+                                      </p:cBhvr>
+                                      <p:to>
+                                        <p:strVal val="visible"/>
+                                      </p:to>
+                                    </p:set>
+                                  </p:childTnLst>
+                                </p:cTn>
+                              </p:par>
+                            </p:childTnLst>
+                          </p:cTn>
+                        </p:par>
+                      </p:childTnLst>
+                    </p:cTn>
+                  </p:par>
+                  <p:par>
+                    <p:cTn id="7" fill="hold">
+                      <p:stCondLst>
+                        <p:cond delay="indefinite"/>
+                      </p:stCondLst>
+                      <p:childTnLst>
+                        <p:par>
+                          <p:cTn id="8" fill="hold">
+                            <p:stCondLst>
+                              <p:cond delay="0"/>
+                            </p:stCondLst>
+                            <p:childTnLst>
+                              <p:par>
+                                <p:cTn id="9" presetID="1" presetClass="entr" presetSubtype="0" fill="hold" grpId="0" nodeType="clickEffect">
+                                  <p:stCondLst>
+                                    <p:cond delay="0"/>
+                                  </p:stCondLst>
+                                  <p:childTnLst>
+                                    <p:set>
+                                      <p:cBhvr>
+                                        <p:cTn id="10" dur="1" fill="hold">
+                                          <p:stCondLst>
+                                            <p:cond delay="0"/>
+                                          </p:stCondLst>
+                                        </p:cTn>
+                                        <p:tgtEl>
+                                          <p:spTgt spid="9"/>
+                                        </p:tgtEl>
+                                        <p:attrNameLst>
+                                          <p:attrName>style.visibility</p:attrName>
+                                        </p:attrNameLst>
+                                      </p:cBhvr>
+                                      <p:to>
+                                        <p:strVal val="visible"/>
+                                      </p:to>
+                                    </p:set>
+                                  </p:childTnLst>
+                                </p:cTn>
+                              </p:par>
+                            </p:childTnLst>
+                          </p:cTn>
+                        </p:par>
+                      </p:childTnLst>
+                    </p:cTn>
+                  </p:par>
+                  <p:par>
+                    <p:cTn id="11" fill="hold">
+                      <p:stCondLst>
+                        <p:cond delay="indefinite"/>
+                      </p:stCondLst>
+                      <p:childTnLst>
+                        <p:par>
+                          <p:cTn id="12" fill="hold">
+                            <p:stCondLst>
+                              <p:cond delay="0"/>
+                            </p:stCondLst>
+                            <p:childTnLst>
+                              <p:par>
+                                <p:cTn id="13" presetID="1" presetClass="entr" presetSubtype="0" fill="hold" grpId="0" nodeType="clickEffect">
+                                  <p:stCondLst>
+                                    <p:cond delay="0"/>
+                                  </p:stCondLst>
+                                  <p:childTnLst>
+                                    <p:set>
+                                      <p:cBhvr>
+                                        <p:cTn id="14" dur="1" fill="hold">
+                                          <p:stCondLst>
+                                            <p:cond delay="0"/>
+                                          </p:stCondLst>
+                                        </p:cTn>
+                                        <p:tgtEl>
+                                          <p:spTgt spid="10"/>
+                                        </p:tgtEl>
+                                        <p:attrNameLst>
+                                          <p:attrName>style.visibility</p:attrName>
+                                        </p:attrNameLst>
+                                      </p:cBhvr>
+                                      <p:to>
+                                        <p:strVal val="visible"/>
+                                      </p:to>
+                                    </p:set>
+                                  </p:childTnLst>
+                                </p:cTn>
+                              </p:par>
+                            </p:childTnLst>
+                          </p:cTn>
+                        </p:par>
+                      </p:childTnLst>
+                    </p:cTn>
+                  </p:par>
+                </p:childTnLst>
+              </p:cTn>
+              <p:prevCondLst>
+                <p:cond evt="onPrev" delay="0">
+                  <p:tgtEl>
+                    <p:sldTgt/>
+                  </p:tgtEl>
+                </p:cond>
+              </p:prevCondLst>
+              <p:nextCondLst>
+                <p:cond evt="onNext" delay="0">
+                  <p:tgtEl>
+                    <p:sldTgt/>
+                  </p:tgtEl>
+                </p:cond>
+              </p:nextCondLst>
+            </p:seq>
+          </p:childTnLst>
+        </p:cTn>
       </p:par>
     </p:tnLst>
+    <p:bldLst>
+      <p:bldP spid="9" grpId="0" animBg="1"/>
+      <p:bldP spid="10" grpId="0"/>
+    </p:bldLst>
   </p:timing>
 </p:sld>
 </file>
@@ -11189,20 +11562,6 @@
               </a:rPr>
               <a:t>함</a:t>
             </a:r>
-            <a:endParaRPr lang="ko-KR" altLang="en-US" sz="2800" dirty="0">
-              <a:ln>
-                <a:solidFill>
-                  <a:schemeClr val="accent1">
-                    <a:alpha val="0"/>
-                  </a:schemeClr>
-                </a:solidFill>
-              </a:ln>
-              <a:solidFill>
-                <a:srgbClr val="613F59"/>
-              </a:solidFill>
-              <a:latin typeface="여기어때 잘난체" panose="020B0600000101010101" pitchFamily="50" charset="-127"/>
-              <a:ea typeface="여기어때 잘난체" panose="020B0600000101010101" pitchFamily="50" charset="-127"/>
-            </a:endParaRPr>
           </a:p>
         </p:txBody>
       </p:sp>
@@ -13161,21 +13520,7 @@
                 <a:latin typeface="여기어때 잘난체" panose="020B0600000101010101" pitchFamily="50" charset="-127"/>
                 <a:ea typeface="여기어때 잘난체" panose="020B0600000101010101" pitchFamily="50" charset="-127"/>
               </a:rPr>
-              <a:t>. </a:t>
-            </a:r>
-            <a:r>
-              <a:rPr lang="en-US" altLang="ko-KR" sz="1600" dirty="0" smtClean="0">
-                <a:ln>
-                  <a:solidFill>
-                    <a:schemeClr val="accent1">
-                      <a:alpha val="0"/>
-                    </a:schemeClr>
-                  </a:solidFill>
-                </a:ln>
-                <a:latin typeface="여기어때 잘난체" panose="020B0600000101010101" pitchFamily="50" charset="-127"/>
-                <a:ea typeface="여기어때 잘난체" panose="020B0600000101010101" pitchFamily="50" charset="-127"/>
-              </a:rPr>
-              <a:t>CORS </a:t>
+              <a:t>. CORS </a:t>
             </a:r>
             <a:r>
               <a:rPr lang="ko-KR" altLang="en-US" sz="1600" dirty="0" smtClean="0">
@@ -13717,10 +14062,6 @@
             <a:r>
               <a:rPr lang="ar-AE" altLang="ko-KR" sz="4800" b="1" dirty="0"/>
               <a:t>۶♥</a:t>
-            </a:r>
-            <a:r>
-              <a:rPr lang="ar-AE" altLang="ko-KR" sz="4800" b="1" dirty="0"/>
-              <a:t/>
             </a:r>
             <a:br>
               <a:rPr lang="ar-AE" altLang="ko-KR" sz="4800" b="1" dirty="0"/>
@@ -20012,20 +20353,6 @@
               </a:rPr>
               <a:t>. </a:t>
             </a:r>
-            <a:endParaRPr lang="en-US" altLang="ko-KR" sz="2000" dirty="0" smtClean="0">
-              <a:ln>
-                <a:solidFill>
-                  <a:schemeClr val="accent1">
-                    <a:alpha val="0"/>
-                  </a:schemeClr>
-                </a:solidFill>
-              </a:ln>
-              <a:solidFill>
-                <a:srgbClr val="613F59"/>
-              </a:solidFill>
-              <a:latin typeface="여기어때 잘난체" panose="020B0600000101010101" pitchFamily="50" charset="-127"/>
-              <a:ea typeface="여기어때 잘난체" panose="020B0600000101010101" pitchFamily="50" charset="-127"/>
-            </a:endParaRPr>
           </a:p>
         </p:txBody>
       </p:sp>

--- a/coffee/2차_Project_ppt.pptx
+++ b/coffee/2차_Project_ppt.pptx
@@ -4933,6 +4933,40 @@
           <a:p>
             <a:pPr algn="ctr"/>
             <a:r>
+              <a:rPr lang="ko-KR" altLang="en-US" sz="1400" dirty="0" smtClean="0">
+                <a:ln>
+                  <a:solidFill>
+                    <a:schemeClr val="accent1">
+                      <a:alpha val="0"/>
+                    </a:schemeClr>
+                  </a:solidFill>
+                </a:ln>
+                <a:solidFill>
+                  <a:schemeClr val="bg1"/>
+                </a:solidFill>
+                <a:latin typeface="여기어때 잘난체" panose="020B0600000101010101" pitchFamily="50" charset="-127"/>
+                <a:ea typeface="여기어때 잘난체" panose="020B0600000101010101" pitchFamily="50" charset="-127"/>
+              </a:rPr>
+              <a:t>팀장</a:t>
+            </a:r>
+            <a:r>
+              <a:rPr lang="en-US" altLang="ko-KR" sz="1400" dirty="0" smtClean="0">
+                <a:ln>
+                  <a:solidFill>
+                    <a:schemeClr val="accent1">
+                      <a:alpha val="0"/>
+                    </a:schemeClr>
+                  </a:solidFill>
+                </a:ln>
+                <a:solidFill>
+                  <a:schemeClr val="bg1"/>
+                </a:solidFill>
+                <a:latin typeface="여기어때 잘난체" panose="020B0600000101010101" pitchFamily="50" charset="-127"/>
+                <a:ea typeface="여기어때 잘난체" panose="020B0600000101010101" pitchFamily="50" charset="-127"/>
+              </a:rPr>
+              <a:t>:</a:t>
+            </a:r>
+            <a:r>
               <a:rPr lang="ko-KR" altLang="en-US" sz="1400" dirty="0" err="1" smtClean="0">
                 <a:ln>
                   <a:solidFill>
@@ -4948,6 +4982,91 @@
                 <a:ea typeface="여기어때 잘난체" panose="020B0600000101010101" pitchFamily="50" charset="-127"/>
               </a:rPr>
               <a:t>김경돈</a:t>
+            </a:r>
+            <a:r>
+              <a:rPr lang="ko-KR" altLang="en-US" sz="1400" dirty="0" smtClean="0">
+                <a:ln>
+                  <a:solidFill>
+                    <a:schemeClr val="accent1">
+                      <a:alpha val="0"/>
+                    </a:schemeClr>
+                  </a:solidFill>
+                </a:ln>
+                <a:solidFill>
+                  <a:schemeClr val="bg1"/>
+                </a:solidFill>
+                <a:latin typeface="여기어때 잘난체" panose="020B0600000101010101" pitchFamily="50" charset="-127"/>
+                <a:ea typeface="여기어때 잘난체" panose="020B0600000101010101" pitchFamily="50" charset="-127"/>
+              </a:rPr>
+              <a:t> 팀원</a:t>
+            </a:r>
+            <a:r>
+              <a:rPr lang="en-US" altLang="ko-KR" sz="1400" dirty="0" smtClean="0">
+                <a:ln>
+                  <a:solidFill>
+                    <a:schemeClr val="accent1">
+                      <a:alpha val="0"/>
+                    </a:schemeClr>
+                  </a:solidFill>
+                </a:ln>
+                <a:solidFill>
+                  <a:schemeClr val="bg1"/>
+                </a:solidFill>
+                <a:latin typeface="여기어때 잘난체" panose="020B0600000101010101" pitchFamily="50" charset="-127"/>
+                <a:ea typeface="여기어때 잘난체" panose="020B0600000101010101" pitchFamily="50" charset="-127"/>
+              </a:rPr>
+              <a:t>: </a:t>
+            </a:r>
+            <a:r>
+              <a:rPr lang="ko-KR" altLang="en-US" sz="1400" dirty="0" err="1" smtClean="0">
+                <a:ln>
+                  <a:solidFill>
+                    <a:schemeClr val="accent1">
+                      <a:alpha val="0"/>
+                    </a:schemeClr>
+                  </a:solidFill>
+                </a:ln>
+                <a:solidFill>
+                  <a:schemeClr val="bg1"/>
+                </a:solidFill>
+                <a:latin typeface="여기어때 잘난체" panose="020B0600000101010101" pitchFamily="50" charset="-127"/>
+                <a:ea typeface="여기어때 잘난체" panose="020B0600000101010101" pitchFamily="50" charset="-127"/>
+              </a:rPr>
+              <a:t>김경목</a:t>
+            </a:r>
+            <a:r>
+              <a:rPr lang="ko-KR" altLang="en-US" sz="1400" dirty="0" smtClean="0">
+                <a:ln>
+                  <a:solidFill>
+                    <a:schemeClr val="accent1">
+                      <a:alpha val="0"/>
+                    </a:schemeClr>
+                  </a:solidFill>
+                </a:ln>
+                <a:solidFill>
+                  <a:schemeClr val="bg1"/>
+                </a:solidFill>
+                <a:latin typeface="여기어때 잘난체" panose="020B0600000101010101" pitchFamily="50" charset="-127"/>
+                <a:ea typeface="여기어때 잘난체" panose="020B0600000101010101" pitchFamily="50" charset="-127"/>
+              </a:rPr>
+              <a:t> 이아진 </a:t>
+            </a:r>
+            <a:r>
+              <a:rPr lang="ko-KR" altLang="en-US" sz="1400" dirty="0" err="1" smtClean="0">
+                <a:ln>
+                  <a:solidFill>
+                    <a:schemeClr val="accent1">
+                      <a:alpha val="0"/>
+                    </a:schemeClr>
+                  </a:solidFill>
+                </a:ln>
+                <a:solidFill>
+                  <a:schemeClr val="bg1"/>
+                </a:solidFill>
+                <a:latin typeface="여기어때 잘난체" panose="020B0600000101010101" pitchFamily="50" charset="-127"/>
+                <a:ea typeface="여기어때 잘난체" panose="020B0600000101010101" pitchFamily="50" charset="-127"/>
+              </a:rPr>
+              <a:t>장연서</a:t>
             </a:r>
             <a:endParaRPr lang="en-US" altLang="ko-KR" sz="1400" dirty="0" smtClean="0">
               <a:ln>
@@ -10650,24 +10769,7 @@
                 <a:latin typeface="여기어때 잘난체" panose="020B0600000101010101" pitchFamily="50" charset="-127"/>
                 <a:ea typeface="여기어때 잘난체" panose="020B0600000101010101" pitchFamily="50" charset="-127"/>
               </a:rPr>
-              <a:t>공공데이터에서 제공하는 예시 </a:t>
-            </a:r>
-            <a:r>
-              <a:rPr lang="ko-KR" altLang="en-US" sz="1100" smtClean="0">
-                <a:ln>
-                  <a:solidFill>
-                    <a:schemeClr val="accent1">
-                      <a:alpha val="0"/>
-                    </a:schemeClr>
-                  </a:solidFill>
-                </a:ln>
-                <a:solidFill>
-                  <a:schemeClr val="bg1"/>
-                </a:solidFill>
-                <a:latin typeface="여기어때 잘난체" panose="020B0600000101010101" pitchFamily="50" charset="-127"/>
-                <a:ea typeface="여기어때 잘난체" panose="020B0600000101010101" pitchFamily="50" charset="-127"/>
-              </a:rPr>
-              <a:t>코드에서는 </a:t>
+              <a:t>공공데이터에서 제공하는 예시 코드에서는 </a:t>
             </a:r>
             <a:r>
               <a:rPr lang="ko-KR" altLang="en-US" sz="1100" dirty="0" smtClean="0">

--- a/coffee/2차_Project_ppt.pptx
+++ b/coffee/2차_Project_ppt.pptx
@@ -4933,7 +4933,7 @@
           <a:p>
             <a:pPr algn="ctr"/>
             <a:r>
-              <a:rPr lang="ko-KR" altLang="en-US" sz="1400" dirty="0" err="1" smtClean="0">
+              <a:rPr lang="ko-KR" altLang="en-US" sz="1400" dirty="0" smtClean="0">
                 <a:ln>
                   <a:solidFill>
                     <a:schemeClr val="accent1">
@@ -4947,7 +4947,126 @@
                 <a:latin typeface="여기어때 잘난체" panose="020B0600000101010101" pitchFamily="50" charset="-127"/>
                 <a:ea typeface="여기어때 잘난체" panose="020B0600000101010101" pitchFamily="50" charset="-127"/>
               </a:rPr>
+              <a:t>팀장</a:t>
+            </a:r>
+            <a:r>
+              <a:rPr lang="en-US" altLang="ko-KR" sz="1400" dirty="0" smtClean="0">
+                <a:ln>
+                  <a:solidFill>
+                    <a:schemeClr val="accent1">
+                      <a:alpha val="0"/>
+                    </a:schemeClr>
+                  </a:solidFill>
+                </a:ln>
+                <a:solidFill>
+                  <a:schemeClr val="bg1"/>
+                </a:solidFill>
+                <a:latin typeface="여기어때 잘난체" panose="020B0600000101010101" pitchFamily="50" charset="-127"/>
+                <a:ea typeface="여기어때 잘난체" panose="020B0600000101010101" pitchFamily="50" charset="-127"/>
+              </a:rPr>
+              <a:t>:</a:t>
+            </a:r>
+            <a:r>
+              <a:rPr lang="ko-KR" altLang="en-US" sz="1400" dirty="0" err="1" smtClean="0">
+                <a:ln>
+                  <a:solidFill>
+                    <a:schemeClr val="accent1">
+                      <a:alpha val="0"/>
+                    </a:schemeClr>
+                  </a:solidFill>
+                </a:ln>
+                <a:solidFill>
+                  <a:schemeClr val="bg1"/>
+                </a:solidFill>
+                <a:latin typeface="여기어때 잘난체" panose="020B0600000101010101" pitchFamily="50" charset="-127"/>
+                <a:ea typeface="여기어때 잘난체" panose="020B0600000101010101" pitchFamily="50" charset="-127"/>
+              </a:rPr>
               <a:t>김경돈</a:t>
+            </a:r>
+            <a:r>
+              <a:rPr lang="ko-KR" altLang="en-US" sz="1400" dirty="0" smtClean="0">
+                <a:ln>
+                  <a:solidFill>
+                    <a:schemeClr val="accent1">
+                      <a:alpha val="0"/>
+                    </a:schemeClr>
+                  </a:solidFill>
+                </a:ln>
+                <a:solidFill>
+                  <a:schemeClr val="bg1"/>
+                </a:solidFill>
+                <a:latin typeface="여기어때 잘난체" panose="020B0600000101010101" pitchFamily="50" charset="-127"/>
+                <a:ea typeface="여기어때 잘난체" panose="020B0600000101010101" pitchFamily="50" charset="-127"/>
+              </a:rPr>
+              <a:t> 팀원</a:t>
+            </a:r>
+            <a:r>
+              <a:rPr lang="en-US" altLang="ko-KR" sz="1400" dirty="0" smtClean="0">
+                <a:ln>
+                  <a:solidFill>
+                    <a:schemeClr val="accent1">
+                      <a:alpha val="0"/>
+                    </a:schemeClr>
+                  </a:solidFill>
+                </a:ln>
+                <a:solidFill>
+                  <a:schemeClr val="bg1"/>
+                </a:solidFill>
+                <a:latin typeface="여기어때 잘난체" panose="020B0600000101010101" pitchFamily="50" charset="-127"/>
+                <a:ea typeface="여기어때 잘난체" panose="020B0600000101010101" pitchFamily="50" charset="-127"/>
+              </a:rPr>
+              <a:t>: </a:t>
+            </a:r>
+            <a:r>
+              <a:rPr lang="ko-KR" altLang="en-US" sz="1400" dirty="0" err="1" smtClean="0">
+                <a:ln>
+                  <a:solidFill>
+                    <a:schemeClr val="accent1">
+                      <a:alpha val="0"/>
+                    </a:schemeClr>
+                  </a:solidFill>
+                </a:ln>
+                <a:solidFill>
+                  <a:schemeClr val="bg1"/>
+                </a:solidFill>
+                <a:latin typeface="여기어때 잘난체" panose="020B0600000101010101" pitchFamily="50" charset="-127"/>
+                <a:ea typeface="여기어때 잘난체" panose="020B0600000101010101" pitchFamily="50" charset="-127"/>
+              </a:rPr>
+              <a:t>김경목</a:t>
+            </a:r>
+            <a:r>
+              <a:rPr lang="ko-KR" altLang="en-US" sz="1400" dirty="0" smtClean="0">
+                <a:ln>
+                  <a:solidFill>
+                    <a:schemeClr val="accent1">
+                      <a:alpha val="0"/>
+                    </a:schemeClr>
+                  </a:solidFill>
+                </a:ln>
+                <a:solidFill>
+                  <a:schemeClr val="bg1"/>
+                </a:solidFill>
+                <a:latin typeface="여기어때 잘난체" panose="020B0600000101010101" pitchFamily="50" charset="-127"/>
+                <a:ea typeface="여기어때 잘난체" panose="020B0600000101010101" pitchFamily="50" charset="-127"/>
+              </a:rPr>
+              <a:t> 이아진 </a:t>
+            </a:r>
+            <a:r>
+              <a:rPr lang="ko-KR" altLang="en-US" sz="1400" dirty="0" err="1" smtClean="0">
+                <a:ln>
+                  <a:solidFill>
+                    <a:schemeClr val="accent1">
+                      <a:alpha val="0"/>
+                    </a:schemeClr>
+                  </a:solidFill>
+                </a:ln>
+                <a:solidFill>
+                  <a:schemeClr val="bg1"/>
+                </a:solidFill>
+                <a:latin typeface="여기어때 잘난체" panose="020B0600000101010101" pitchFamily="50" charset="-127"/>
+                <a:ea typeface="여기어때 잘난체" panose="020B0600000101010101" pitchFamily="50" charset="-127"/>
+              </a:rPr>
+              <a:t>장연서</a:t>
             </a:r>
             <a:endParaRPr lang="en-US" altLang="ko-KR" sz="1400" dirty="0" smtClean="0">
               <a:ln>
@@ -10528,28 +10647,22 @@
       </p:cxnSp>
       <p:pic>
         <p:nvPicPr>
-          <p:cNvPr id="2" name="그림 1"/>
+          <p:cNvPr id="3" name="그림 2"/>
           <p:cNvPicPr>
             <a:picLocks noChangeAspect="1"/>
           </p:cNvPicPr>
           <p:nvPr/>
         </p:nvPicPr>
         <p:blipFill>
-          <a:blip r:embed="rId2">
-            <a:extLst>
-              <a:ext uri="{28A0092B-C50C-407E-A947-70E740481C1C}">
-                <a14:useLocalDpi xmlns:a14="http://schemas.microsoft.com/office/drawing/2010/main" val="0"/>
-              </a:ext>
-            </a:extLst>
-          </a:blip>
+          <a:blip r:embed="rId2"/>
           <a:stretch>
             <a:fillRect/>
           </a:stretch>
         </p:blipFill>
         <p:spPr>
           <a:xfrm>
-            <a:off x="800208" y="1443331"/>
-            <a:ext cx="10591581" cy="4206972"/>
+            <a:off x="906603" y="1489685"/>
+            <a:ext cx="10378791" cy="4073155"/>
           </a:xfrm>
           <a:prstGeom prst="rect">
             <a:avLst/>
@@ -10564,8 +10677,8 @@
         </p:nvSpPr>
         <p:spPr>
           <a:xfrm>
-            <a:off x="1168140" y="1620279"/>
-            <a:ext cx="3076056" cy="217148"/>
+            <a:off x="1168140" y="1794003"/>
+            <a:ext cx="2560993" cy="224338"/>
           </a:xfrm>
           <a:prstGeom prst="roundRect">
             <a:avLst/>
@@ -10616,8 +10729,8 @@
         </p:nvSpPr>
         <p:spPr>
           <a:xfrm>
-            <a:off x="4244196" y="1489685"/>
-            <a:ext cx="6932415" cy="478336"/>
+            <a:off x="1049239" y="1211360"/>
+            <a:ext cx="9447190" cy="285335"/>
           </a:xfrm>
           <a:prstGeom prst="rect">
             <a:avLst/>
@@ -10636,7 +10749,7 @@
               </a:lnSpc>
             </a:pPr>
             <a:r>
-              <a:rPr lang="ko-KR" altLang="en-US" sz="1100" smtClean="0">
+              <a:rPr lang="ko-KR" altLang="en-US" sz="1100" dirty="0" smtClean="0">
                 <a:ln>
                   <a:solidFill>
                     <a:schemeClr val="accent1">
@@ -10644,16 +10757,13 @@
                     </a:schemeClr>
                   </a:solidFill>
                 </a:ln>
-                <a:solidFill>
-                  <a:schemeClr val="bg1"/>
-                </a:solidFill>
                 <a:latin typeface="여기어때 잘난체" panose="020B0600000101010101" pitchFamily="50" charset="-127"/>
                 <a:ea typeface="여기어때 잘난체" panose="020B0600000101010101" pitchFamily="50" charset="-127"/>
               </a:rPr>
-              <a:t>공공데이터에서 제공하는 예시 </a:t>
-            </a:r>
-            <a:r>
-              <a:rPr lang="ko-KR" altLang="en-US" sz="1100" smtClean="0">
+              <a:t>공공데이터에서 제공하는 예시 코드에서는 주소를 가져올 때 오류가 나서 </a:t>
+            </a:r>
+            <a:r>
+              <a:rPr lang="en-US" altLang="ko-KR" sz="1100" dirty="0" smtClean="0">
                 <a:ln>
                   <a:solidFill>
                     <a:schemeClr val="accent1">
@@ -10661,13 +10771,10 @@
                     </a:schemeClr>
                   </a:solidFill>
                 </a:ln>
-                <a:solidFill>
-                  <a:schemeClr val="bg1"/>
-                </a:solidFill>
                 <a:latin typeface="여기어때 잘난체" panose="020B0600000101010101" pitchFamily="50" charset="-127"/>
                 <a:ea typeface="여기어때 잘난체" panose="020B0600000101010101" pitchFamily="50" charset="-127"/>
               </a:rPr>
-              <a:t>코드에서는 </a:t>
+              <a:t>fetch </a:t>
             </a:r>
             <a:r>
               <a:rPr lang="ko-KR" altLang="en-US" sz="1100" dirty="0" smtClean="0">
@@ -10678,16 +10785,13 @@
                     </a:schemeClr>
                   </a:solidFill>
                 </a:ln>
-                <a:solidFill>
-                  <a:schemeClr val="bg1"/>
-                </a:solidFill>
                 <a:latin typeface="여기어때 잘난체" panose="020B0600000101010101" pitchFamily="50" charset="-127"/>
                 <a:ea typeface="여기어때 잘난체" panose="020B0600000101010101" pitchFamily="50" charset="-127"/>
               </a:rPr>
-              <a:t>주소를 가져올 때 오류가 나서 </a:t>
-            </a:r>
-            <a:r>
-              <a:rPr lang="en-US" altLang="ko-KR" sz="1100" dirty="0" smtClean="0">
+              <a:t>함수를 사용하여 </a:t>
+            </a:r>
+            <a:r>
+              <a:rPr lang="ko-KR" altLang="en-US" sz="1100" dirty="0" smtClean="0">
                 <a:ln>
                   <a:solidFill>
                     <a:schemeClr val="accent1">
@@ -10695,13 +10799,10 @@
                     </a:schemeClr>
                   </a:solidFill>
                 </a:ln>
-                <a:solidFill>
-                  <a:schemeClr val="bg1"/>
-                </a:solidFill>
                 <a:latin typeface="여기어때 잘난체" panose="020B0600000101010101" pitchFamily="50" charset="-127"/>
                 <a:ea typeface="여기어때 잘난체" panose="020B0600000101010101" pitchFamily="50" charset="-127"/>
               </a:rPr>
-              <a:t>fetch </a:t>
+              <a:t>데이터를 </a:t>
             </a:r>
             <a:r>
               <a:rPr lang="ko-KR" altLang="en-US" sz="1100" dirty="0" smtClean="0">
@@ -10712,13 +10813,355 @@
                     </a:schemeClr>
                   </a:solidFill>
                 </a:ln>
-                <a:solidFill>
-                  <a:schemeClr val="bg1"/>
-                </a:solidFill>
                 <a:latin typeface="여기어때 잘난체" panose="020B0600000101010101" pitchFamily="50" charset="-127"/>
                 <a:ea typeface="여기어때 잘난체" panose="020B0600000101010101" pitchFamily="50" charset="-127"/>
               </a:rPr>
-              <a:t>함수를 사용하여 </a:t>
+              <a:t>가져오니</a:t>
+            </a:r>
+            <a:r>
+              <a:rPr lang="ko-KR" altLang="en-US" sz="1100" dirty="0">
+                <a:ln>
+                  <a:solidFill>
+                    <a:schemeClr val="accent1">
+                      <a:alpha val="0"/>
+                    </a:schemeClr>
+                  </a:solidFill>
+                </a:ln>
+                <a:latin typeface="여기어때 잘난체" panose="020B0600000101010101" pitchFamily="50" charset="-127"/>
+                <a:ea typeface="여기어때 잘난체" panose="020B0600000101010101" pitchFamily="50" charset="-127"/>
+              </a:rPr>
+              <a:t> </a:t>
+            </a:r>
+            <a:r>
+              <a:rPr lang="ko-KR" altLang="en-US" sz="1100" dirty="0" smtClean="0">
+                <a:ln>
+                  <a:solidFill>
+                    <a:schemeClr val="accent1">
+                      <a:alpha val="0"/>
+                    </a:schemeClr>
+                  </a:solidFill>
+                </a:ln>
+                <a:latin typeface="여기어때 잘난체" panose="020B0600000101010101" pitchFamily="50" charset="-127"/>
+                <a:ea typeface="여기어때 잘난체" panose="020B0600000101010101" pitchFamily="50" charset="-127"/>
+              </a:rPr>
+              <a:t>문제해결이 되었습니다</a:t>
+            </a:r>
+            <a:r>
+              <a:rPr lang="en-US" altLang="ko-KR" sz="1100" dirty="0" smtClean="0">
+                <a:ln>
+                  <a:solidFill>
+                    <a:schemeClr val="accent1">
+                      <a:alpha val="0"/>
+                    </a:schemeClr>
+                  </a:solidFill>
+                </a:ln>
+                <a:latin typeface="여기어때 잘난체" panose="020B0600000101010101" pitchFamily="50" charset="-127"/>
+                <a:ea typeface="여기어때 잘난체" panose="020B0600000101010101" pitchFamily="50" charset="-127"/>
+              </a:rPr>
+              <a:t>.</a:t>
+            </a:r>
+          </a:p>
+        </p:txBody>
+      </p:sp>
+      <p:sp>
+        <p:nvSpPr>
+          <p:cNvPr id="12" name="모서리가 둥근 직사각형 11"/>
+          <p:cNvSpPr/>
+          <p:nvPr/>
+        </p:nvSpPr>
+        <p:spPr>
+          <a:xfrm>
+            <a:off x="4969513" y="1794003"/>
+            <a:ext cx="1077604" cy="224338"/>
+          </a:xfrm>
+          <a:prstGeom prst="roundRect">
+            <a:avLst/>
+          </a:prstGeom>
+          <a:noFill/>
+          <a:ln w="41275">
+            <a:solidFill>
+              <a:srgbClr val="FF0000"/>
+            </a:solidFill>
+          </a:ln>
+        </p:spPr>
+        <p:style>
+          <a:lnRef idx="2">
+            <a:schemeClr val="accent1">
+              <a:shade val="50000"/>
+            </a:schemeClr>
+          </a:lnRef>
+          <a:fillRef idx="1">
+            <a:schemeClr val="accent1"/>
+          </a:fillRef>
+          <a:effectRef idx="0">
+            <a:schemeClr val="accent1"/>
+          </a:effectRef>
+          <a:fontRef idx="minor">
+            <a:schemeClr val="lt1"/>
+          </a:fontRef>
+        </p:style>
+        <p:txBody>
+          <a:bodyPr rtlCol="0" anchor="ctr"/>
+          <a:lstStyle/>
+          <a:p>
+            <a:pPr algn="ctr"/>
+            <a:endParaRPr lang="ko-KR" altLang="en-US"/>
+          </a:p>
+        </p:txBody>
+      </p:sp>
+      <p:sp>
+        <p:nvSpPr>
+          <p:cNvPr id="13" name="TextBox 12">
+            <a:extLst>
+              <a:ext uri="{FF2B5EF4-FFF2-40B4-BE49-F238E27FC236}">
+                <a16:creationId xmlns:a16="http://schemas.microsoft.com/office/drawing/2014/main" id="{0D0CA869-BE9E-9044-9C1B-ADAB78A91ADD}"/>
+              </a:ext>
+            </a:extLst>
+          </p:cNvPr>
+          <p:cNvSpPr txBox="1"/>
+          <p:nvPr/>
+        </p:nvSpPr>
+        <p:spPr>
+          <a:xfrm>
+            <a:off x="5339751" y="2454179"/>
+            <a:ext cx="3571336" cy="478336"/>
+          </a:xfrm>
+          <a:prstGeom prst="rect">
+            <a:avLst/>
+          </a:prstGeom>
+          <a:noFill/>
+        </p:spPr>
+        <p:txBody>
+          <a:bodyPr wrap="square" rtlCol="0">
+            <a:spAutoFit/>
+          </a:bodyPr>
+          <a:lstStyle/>
+          <a:p>
+            <a:pPr>
+              <a:lnSpc>
+                <a:spcPct val="114000"/>
+              </a:lnSpc>
+            </a:pPr>
+            <a:r>
+              <a:rPr lang="ko-KR" altLang="en-US" sz="1100" dirty="0" smtClean="0">
+                <a:ln>
+                  <a:solidFill>
+                    <a:schemeClr val="accent1">
+                      <a:alpha val="0"/>
+                    </a:schemeClr>
+                  </a:solidFill>
+                </a:ln>
+                <a:solidFill>
+                  <a:schemeClr val="bg1"/>
+                </a:solidFill>
+                <a:latin typeface="여기어때 잘난체" panose="020B0600000101010101" pitchFamily="50" charset="-127"/>
+                <a:ea typeface="여기어때 잘난체" panose="020B0600000101010101" pitchFamily="50" charset="-127"/>
+              </a:rPr>
+              <a:t>언어 설정 시</a:t>
+            </a:r>
+            <a:r>
+              <a:rPr lang="en-US" altLang="ko-KR" sz="1100" dirty="0" smtClean="0">
+                <a:ln>
+                  <a:solidFill>
+                    <a:schemeClr val="accent1">
+                      <a:alpha val="0"/>
+                    </a:schemeClr>
+                  </a:solidFill>
+                </a:ln>
+                <a:solidFill>
+                  <a:schemeClr val="bg1"/>
+                </a:solidFill>
+                <a:latin typeface="여기어때 잘난체" panose="020B0600000101010101" pitchFamily="50" charset="-127"/>
+                <a:ea typeface="여기어때 잘난체" panose="020B0600000101010101" pitchFamily="50" charset="-127"/>
+              </a:rPr>
+              <a:t>, Kr </a:t>
+            </a:r>
+            <a:r>
+              <a:rPr lang="ko-KR" altLang="en-US" sz="1100" dirty="0" smtClean="0">
+                <a:ln>
+                  <a:solidFill>
+                    <a:schemeClr val="accent1">
+                      <a:alpha val="0"/>
+                    </a:schemeClr>
+                  </a:solidFill>
+                </a:ln>
+                <a:solidFill>
+                  <a:schemeClr val="bg1"/>
+                </a:solidFill>
+                <a:latin typeface="여기어때 잘난체" panose="020B0600000101010101" pitchFamily="50" charset="-127"/>
+                <a:ea typeface="여기어때 잘난체" panose="020B0600000101010101" pitchFamily="50" charset="-127"/>
+              </a:rPr>
+              <a:t>부분을 </a:t>
+            </a:r>
+            <a:r>
+              <a:rPr lang="en-US" altLang="ko-KR" sz="1100" dirty="0" err="1" smtClean="0">
+                <a:ln>
+                  <a:solidFill>
+                    <a:schemeClr val="accent1">
+                      <a:alpha val="0"/>
+                    </a:schemeClr>
+                  </a:solidFill>
+                </a:ln>
+                <a:solidFill>
+                  <a:schemeClr val="bg1"/>
+                </a:solidFill>
+                <a:latin typeface="여기어때 잘난체" panose="020B0600000101010101" pitchFamily="50" charset="-127"/>
+                <a:ea typeface="여기어때 잘난체" panose="020B0600000101010101" pitchFamily="50" charset="-127"/>
+              </a:rPr>
+              <a:t>En</a:t>
+            </a:r>
+            <a:r>
+              <a:rPr lang="en-US" altLang="ko-KR" sz="1100" dirty="0" smtClean="0">
+                <a:ln>
+                  <a:solidFill>
+                    <a:schemeClr val="accent1">
+                      <a:alpha val="0"/>
+                    </a:schemeClr>
+                  </a:solidFill>
+                </a:ln>
+                <a:solidFill>
+                  <a:schemeClr val="bg1"/>
+                </a:solidFill>
+                <a:latin typeface="여기어때 잘난체" panose="020B0600000101010101" pitchFamily="50" charset="-127"/>
+                <a:ea typeface="여기어때 잘난체" panose="020B0600000101010101" pitchFamily="50" charset="-127"/>
+              </a:rPr>
+              <a:t>, Ja, </a:t>
+            </a:r>
+            <a:r>
+              <a:rPr lang="en-US" altLang="ko-KR" sz="1100" dirty="0" err="1" smtClean="0">
+                <a:ln>
+                  <a:solidFill>
+                    <a:schemeClr val="accent1">
+                      <a:alpha val="0"/>
+                    </a:schemeClr>
+                  </a:solidFill>
+                </a:ln>
+                <a:solidFill>
+                  <a:schemeClr val="bg1"/>
+                </a:solidFill>
+                <a:latin typeface="여기어때 잘난체" panose="020B0600000101010101" pitchFamily="50" charset="-127"/>
+                <a:ea typeface="여기어때 잘난체" panose="020B0600000101010101" pitchFamily="50" charset="-127"/>
+              </a:rPr>
+              <a:t>Zhr</a:t>
+            </a:r>
+            <a:r>
+              <a:rPr lang="en-US" altLang="ko-KR" sz="1100" dirty="0" smtClean="0">
+                <a:ln>
+                  <a:solidFill>
+                    <a:schemeClr val="accent1">
+                      <a:alpha val="0"/>
+                    </a:schemeClr>
+                  </a:solidFill>
+                </a:ln>
+                <a:solidFill>
+                  <a:schemeClr val="bg1"/>
+                </a:solidFill>
+                <a:latin typeface="여기어때 잘난체" panose="020B0600000101010101" pitchFamily="50" charset="-127"/>
+                <a:ea typeface="여기어때 잘난체" panose="020B0600000101010101" pitchFamily="50" charset="-127"/>
+              </a:rPr>
+              <a:t>, </a:t>
+            </a:r>
+            <a:r>
+              <a:rPr lang="en-US" altLang="ko-KR" sz="1100" dirty="0" err="1" smtClean="0">
+                <a:ln>
+                  <a:solidFill>
+                    <a:schemeClr val="accent1">
+                      <a:alpha val="0"/>
+                    </a:schemeClr>
+                  </a:solidFill>
+                </a:ln>
+                <a:solidFill>
+                  <a:schemeClr val="bg1"/>
+                </a:solidFill>
+                <a:latin typeface="여기어때 잘난체" panose="020B0600000101010101" pitchFamily="50" charset="-127"/>
+                <a:ea typeface="여기어때 잘난체" panose="020B0600000101010101" pitchFamily="50" charset="-127"/>
+              </a:rPr>
+              <a:t>Zht</a:t>
+            </a:r>
+            <a:r>
+              <a:rPr lang="en-US" altLang="ko-KR" sz="1100" dirty="0" smtClean="0">
+                <a:ln>
+                  <a:solidFill>
+                    <a:schemeClr val="accent1">
+                      <a:alpha val="0"/>
+                    </a:schemeClr>
+                  </a:solidFill>
+                </a:ln>
+                <a:solidFill>
+                  <a:schemeClr val="bg1"/>
+                </a:solidFill>
+                <a:latin typeface="여기어때 잘난체" panose="020B0600000101010101" pitchFamily="50" charset="-127"/>
+                <a:ea typeface="여기어때 잘난체" panose="020B0600000101010101" pitchFamily="50" charset="-127"/>
+              </a:rPr>
+              <a:t> </a:t>
+            </a:r>
+            <a:r>
+              <a:rPr lang="ko-KR" altLang="en-US" sz="1100" dirty="0" smtClean="0">
+                <a:ln>
+                  <a:solidFill>
+                    <a:schemeClr val="accent1">
+                      <a:alpha val="0"/>
+                    </a:schemeClr>
+                  </a:solidFill>
+                </a:ln>
+                <a:solidFill>
+                  <a:schemeClr val="bg1"/>
+                </a:solidFill>
+                <a:latin typeface="여기어때 잘난체" panose="020B0600000101010101" pitchFamily="50" charset="-127"/>
+                <a:ea typeface="여기어때 잘난체" panose="020B0600000101010101" pitchFamily="50" charset="-127"/>
+              </a:rPr>
+              <a:t>등으로 변경 시</a:t>
+            </a:r>
+            <a:r>
+              <a:rPr lang="en-US" altLang="ko-KR" sz="1100" dirty="0" smtClean="0">
+                <a:ln>
+                  <a:solidFill>
+                    <a:schemeClr val="accent1">
+                      <a:alpha val="0"/>
+                    </a:schemeClr>
+                  </a:solidFill>
+                </a:ln>
+                <a:solidFill>
+                  <a:schemeClr val="bg1"/>
+                </a:solidFill>
+                <a:latin typeface="여기어때 잘난체" panose="020B0600000101010101" pitchFamily="50" charset="-127"/>
+                <a:ea typeface="여기어때 잘난체" panose="020B0600000101010101" pitchFamily="50" charset="-127"/>
+              </a:rPr>
+              <a:t>, </a:t>
+            </a:r>
+            <a:r>
+              <a:rPr lang="ko-KR" altLang="en-US" sz="1100" dirty="0" smtClean="0">
+                <a:ln>
+                  <a:solidFill>
+                    <a:schemeClr val="accent1">
+                      <a:alpha val="0"/>
+                    </a:schemeClr>
+                  </a:solidFill>
+                </a:ln>
+                <a:solidFill>
+                  <a:schemeClr val="bg1"/>
+                </a:solidFill>
+                <a:latin typeface="여기어때 잘난체" panose="020B0600000101010101" pitchFamily="50" charset="-127"/>
+                <a:ea typeface="여기어때 잘난체" panose="020B0600000101010101" pitchFamily="50" charset="-127"/>
+              </a:rPr>
+              <a:t>언어가 변경됨</a:t>
+            </a:r>
+            <a:r>
+              <a:rPr lang="en-US" altLang="ko-KR" sz="1100" dirty="0" smtClean="0">
+                <a:ln>
+                  <a:solidFill>
+                    <a:schemeClr val="accent1">
+                      <a:alpha val="0"/>
+                    </a:schemeClr>
+                  </a:solidFill>
+                </a:ln>
+                <a:solidFill>
+                  <a:schemeClr val="bg1"/>
+                </a:solidFill>
+                <a:latin typeface="여기어때 잘난체" panose="020B0600000101010101" pitchFamily="50" charset="-127"/>
+                <a:ea typeface="여기어때 잘난체" panose="020B0600000101010101" pitchFamily="50" charset="-127"/>
+              </a:rPr>
+              <a:t>.</a:t>
             </a:r>
             <a:endParaRPr lang="en-US" altLang="ko-KR" sz="1100" dirty="0" smtClean="0">
               <a:ln>
@@ -10735,80 +11178,104 @@
               <a:ea typeface="여기어때 잘난체" panose="020B0600000101010101" pitchFamily="50" charset="-127"/>
             </a:endParaRPr>
           </a:p>
-          <a:p>
-            <a:pPr>
-              <a:lnSpc>
-                <a:spcPct val="114000"/>
-              </a:lnSpc>
-            </a:pPr>
-            <a:r>
-              <a:rPr lang="ko-KR" altLang="en-US" sz="1100" dirty="0" smtClean="0">
-                <a:ln>
-                  <a:solidFill>
-                    <a:schemeClr val="accent1">
-                      <a:alpha val="0"/>
-                    </a:schemeClr>
-                  </a:solidFill>
-                </a:ln>
-                <a:solidFill>
-                  <a:schemeClr val="bg1"/>
-                </a:solidFill>
-                <a:latin typeface="여기어때 잘난체" panose="020B0600000101010101" pitchFamily="50" charset="-127"/>
-                <a:ea typeface="여기어때 잘난체" panose="020B0600000101010101" pitchFamily="50" charset="-127"/>
-              </a:rPr>
-              <a:t>데이터를 가져오니</a:t>
-            </a:r>
-            <a:r>
-              <a:rPr lang="ko-KR" altLang="en-US" sz="1100" dirty="0">
-                <a:ln>
-                  <a:solidFill>
-                    <a:schemeClr val="accent1">
-                      <a:alpha val="0"/>
-                    </a:schemeClr>
-                  </a:solidFill>
-                </a:ln>
-                <a:solidFill>
-                  <a:schemeClr val="bg1"/>
-                </a:solidFill>
-                <a:latin typeface="여기어때 잘난체" panose="020B0600000101010101" pitchFamily="50" charset="-127"/>
-                <a:ea typeface="여기어때 잘난체" panose="020B0600000101010101" pitchFamily="50" charset="-127"/>
-              </a:rPr>
-              <a:t> </a:t>
-            </a:r>
-            <a:r>
-              <a:rPr lang="ko-KR" altLang="en-US" sz="1100" dirty="0" smtClean="0">
-                <a:ln>
-                  <a:solidFill>
-                    <a:schemeClr val="accent1">
-                      <a:alpha val="0"/>
-                    </a:schemeClr>
-                  </a:solidFill>
-                </a:ln>
-                <a:solidFill>
-                  <a:schemeClr val="bg1"/>
-                </a:solidFill>
-                <a:latin typeface="여기어때 잘난체" panose="020B0600000101010101" pitchFamily="50" charset="-127"/>
-                <a:ea typeface="여기어때 잘난체" panose="020B0600000101010101" pitchFamily="50" charset="-127"/>
-              </a:rPr>
-              <a:t>문제해결이 되었습니다</a:t>
-            </a:r>
-            <a:r>
-              <a:rPr lang="en-US" altLang="ko-KR" sz="1100" dirty="0" smtClean="0">
-                <a:ln>
-                  <a:solidFill>
-                    <a:schemeClr val="accent1">
-                      <a:alpha val="0"/>
-                    </a:schemeClr>
-                  </a:solidFill>
-                </a:ln>
-                <a:solidFill>
-                  <a:schemeClr val="bg1"/>
-                </a:solidFill>
-                <a:latin typeface="여기어때 잘난체" panose="020B0600000101010101" pitchFamily="50" charset="-127"/>
-                <a:ea typeface="여기어때 잘난체" panose="020B0600000101010101" pitchFamily="50" charset="-127"/>
-              </a:rPr>
-              <a:t>.</a:t>
-            </a:r>
+        </p:txBody>
+      </p:sp>
+      <p:sp>
+        <p:nvSpPr>
+          <p:cNvPr id="14" name="오른쪽 화살표 13"/>
+          <p:cNvSpPr/>
+          <p:nvPr/>
+        </p:nvSpPr>
+        <p:spPr>
+          <a:xfrm rot="16200000">
+            <a:off x="2925457" y="1269733"/>
+            <a:ext cx="267679" cy="735828"/>
+          </a:xfrm>
+          <a:prstGeom prst="rightArrow">
+            <a:avLst/>
+          </a:prstGeom>
+          <a:solidFill>
+            <a:srgbClr val="FFE7E7"/>
+          </a:solidFill>
+          <a:ln>
+            <a:solidFill>
+              <a:srgbClr val="F89698"/>
+            </a:solidFill>
+          </a:ln>
+        </p:spPr>
+        <p:style>
+          <a:lnRef idx="2">
+            <a:schemeClr val="accent1">
+              <a:shade val="50000"/>
+            </a:schemeClr>
+          </a:lnRef>
+          <a:fillRef idx="1">
+            <a:schemeClr val="accent1"/>
+          </a:fillRef>
+          <a:effectRef idx="0">
+            <a:schemeClr val="accent1"/>
+          </a:effectRef>
+          <a:fontRef idx="minor">
+            <a:schemeClr val="lt1"/>
+          </a:fontRef>
+        </p:style>
+        <p:txBody>
+          <a:bodyPr rtlCol="0" anchor="ctr"/>
+          <a:lstStyle/>
+          <a:p>
+            <a:pPr algn="ctr"/>
+            <a:endParaRPr lang="ko-KR" altLang="en-US"/>
+          </a:p>
+        </p:txBody>
+      </p:sp>
+      <p:sp>
+        <p:nvSpPr>
+          <p:cNvPr id="15" name="오른쪽 화살표 14"/>
+          <p:cNvSpPr/>
+          <p:nvPr/>
+        </p:nvSpPr>
+        <p:spPr>
+          <a:xfrm rot="5400000">
+            <a:off x="5638994" y="2063263"/>
+            <a:ext cx="267679" cy="367914"/>
+          </a:xfrm>
+          <a:prstGeom prst="rightArrow">
+            <a:avLst>
+              <a:gd name="adj1" fmla="val 50000"/>
+              <a:gd name="adj2" fmla="val 46777"/>
+            </a:avLst>
+          </a:prstGeom>
+          <a:solidFill>
+            <a:srgbClr val="FFE7E7"/>
+          </a:solidFill>
+          <a:ln>
+            <a:solidFill>
+              <a:srgbClr val="F89698"/>
+            </a:solidFill>
+          </a:ln>
+        </p:spPr>
+        <p:style>
+          <a:lnRef idx="2">
+            <a:schemeClr val="accent1">
+              <a:shade val="50000"/>
+            </a:schemeClr>
+          </a:lnRef>
+          <a:fillRef idx="1">
+            <a:schemeClr val="accent1"/>
+          </a:fillRef>
+          <a:effectRef idx="0">
+            <a:schemeClr val="accent1"/>
+          </a:effectRef>
+          <a:fontRef idx="minor">
+            <a:schemeClr val="lt1"/>
+          </a:fontRef>
+        </p:style>
+        <p:txBody>
+          <a:bodyPr rtlCol="0" anchor="ctr"/>
+          <a:lstStyle/>
+          <a:p>
+            <a:pPr algn="ctr"/>
+            <a:endParaRPr lang="ko-KR" altLang="en-US"/>
           </a:p>
         </p:txBody>
       </p:sp>
@@ -10843,7 +11310,7 @@
                             </p:stCondLst>
                             <p:childTnLst>
                               <p:par>
-                                <p:cTn id="5" presetID="1" presetClass="entr" presetSubtype="0" fill="hold" nodeType="clickEffect">
+                                <p:cTn id="5" presetID="1" presetClass="entr" presetSubtype="0" fill="hold" grpId="0" nodeType="clickEffect">
                                   <p:stCondLst>
                                     <p:cond delay="0"/>
                                   </p:stCondLst>
@@ -10856,7 +11323,7 @@
                                           </p:stCondLst>
                                         </p:cTn>
                                         <p:tgtEl>
-                                          <p:spTgt spid="2"/>
+                                          <p:spTgt spid="9"/>
                                         </p:tgtEl>
                                         <p:attrNameLst>
                                           <p:attrName>style.visibility</p:attrName>
@@ -10901,7 +11368,7 @@
                                           </p:stCondLst>
                                         </p:cTn>
                                         <p:tgtEl>
-                                          <p:spTgt spid="9"/>
+                                          <p:spTgt spid="10"/>
                                         </p:tgtEl>
                                         <p:attrNameLst>
                                           <p:attrName>style.visibility</p:attrName>
@@ -10946,7 +11413,52 @@
                                           </p:stCondLst>
                                         </p:cTn>
                                         <p:tgtEl>
-                                          <p:spTgt spid="10"/>
+                                          <p:spTgt spid="12"/>
+                                        </p:tgtEl>
+                                        <p:attrNameLst>
+                                          <p:attrName>style.visibility</p:attrName>
+                                        </p:attrNameLst>
+                                      </p:cBhvr>
+                                      <p:to>
+                                        <p:strVal val="visible"/>
+                                      </p:to>
+                                    </p:set>
+                                  </p:childTnLst>
+                                </p:cTn>
+                              </p:par>
+                            </p:childTnLst>
+                          </p:cTn>
+                        </p:par>
+                      </p:childTnLst>
+                    </p:cTn>
+                  </p:par>
+                  <p:par>
+                    <p:cTn id="15" fill="hold">
+                      <p:stCondLst>
+                        <p:cond delay="indefinite"/>
+                      </p:stCondLst>
+                      <p:childTnLst>
+                        <p:par>
+                          <p:cTn id="16" fill="hold">
+                            <p:stCondLst>
+                              <p:cond delay="0"/>
+                            </p:stCondLst>
+                            <p:childTnLst>
+                              <p:par>
+                                <p:cTn id="17" presetID="1" presetClass="entr" presetSubtype="0" fill="hold" grpId="0" nodeType="clickEffect">
+                                  <p:stCondLst>
+                                    <p:cond delay="0"/>
+                                  </p:stCondLst>
+                                  <p:childTnLst>
+                                    <p:set>
+                                      <p:cBhvr>
+                                        <p:cTn id="18" dur="1" fill="hold">
+                                          <p:stCondLst>
+                                            <p:cond delay="0"/>
+                                          </p:stCondLst>
+                                        </p:cTn>
+                                        <p:tgtEl>
+                                          <p:spTgt spid="13"/>
                                         </p:tgtEl>
                                         <p:attrNameLst>
                                           <p:attrName>style.visibility</p:attrName>
@@ -10989,6 +11501,8 @@
     <p:bldLst>
       <p:bldP spid="9" grpId="0" animBg="1"/>
       <p:bldP spid="10" grpId="0"/>
+      <p:bldP spid="12" grpId="0" animBg="1"/>
+      <p:bldP spid="13" grpId="0"/>
     </p:bldLst>
   </p:timing>
 </p:sld>
